--- a/slides/268 - Ride on, ride on in majesty.pptx
+++ b/slides/268 - Ride on, ride on in majesty.pptx
@@ -239,7 +239,7 @@
               <a:pPr>
                 <a:defRPr/>
               </a:pPr>
-              <a:t>3/03/2014</a:t>
+              <a:t>25/08/2015</a:t>
             </a:fld>
             <a:endParaRPr lang="en-NZ"/>
           </a:p>
@@ -4374,7 +4374,19 @@
           <a:p>
             <a:r>
               <a:rPr lang="en-GB" dirty="0"/>
-              <a:t>	Your last and fiercest strife in nigh;</a:t>
+              <a:t>	Your last and fiercest </a:t>
+            </a:r>
+            <a:r>
+              <a:rPr lang="en-GB"/>
+              <a:t>strife </a:t>
+            </a:r>
+            <a:r>
+              <a:rPr lang="en-GB" smtClean="0"/>
+              <a:t>is </a:t>
+            </a:r>
+            <a:r>
+              <a:rPr lang="en-GB" dirty="0"/>
+              <a:t>nigh;</a:t>
             </a:r>
             <a:endParaRPr lang="en-NZ" dirty="0"/>
           </a:p>
